--- a/Presentation Template.pptx
+++ b/Presentation Template.pptx
@@ -3297,9 +3297,10 @@
           </a:p>
           <a:p>
             <a:r>
-              <a:rPr lang="en-CA" dirty="0"/>
-              <a:t>Alan Zhang </a:t>
-            </a:r>
+              <a:rPr lang="en-CA"/>
+              <a:t>Alan Zhang1 </a:t>
+            </a:r>
+            <a:endParaRPr lang="en-CA" dirty="0"/>
           </a:p>
         </p:txBody>
       </p:sp>

--- a/Presentation Template.pptx
+++ b/Presentation Template.pptx
@@ -3298,7 +3298,7 @@
           <a:p>
             <a:r>
               <a:rPr lang="en-CA"/>
-              <a:t>Alan Zhang1 </a:t>
+              <a:t>Alan Zhang </a:t>
             </a:r>
             <a:endParaRPr lang="en-CA" dirty="0"/>
           </a:p>

--- a/Presentation Template.pptx
+++ b/Presentation Template.pptx
@@ -764,7 +764,7 @@
           <a:p>
             <a:fld id="{0FA23B7F-B0A4-4548-866A-1C343862BBF1}" type="datetimeFigureOut">
               <a:rPr lang="en-US" smtClean="0"/>
-              <a:t>11/20/23</a:t>
+              <a:t>11/24/23</a:t>
             </a:fld>
             <a:endParaRPr lang="en-CA"/>
           </a:p>
@@ -930,7 +930,7 @@
           <a:p>
             <a:fld id="{7466FCE3-F006-44F4-AB45-D076B47EC6C4}" type="datetimeFigureOut">
               <a:rPr lang="en-US" smtClean="0"/>
-              <a:t>11/20/23</a:t>
+              <a:t>11/24/23</a:t>
             </a:fld>
             <a:endParaRPr lang="en-US"/>
           </a:p>
@@ -3432,22 +3432,18 @@
                   </a:schemeClr>
                 </a:solidFill>
               </a:rPr>
-              <a:t>Function 1 name: [1 sentence]</a:t>
-            </a:r>
-          </a:p>
-          <a:p>
-            <a:r>
-              <a:rPr lang="en-CA" dirty="0">
+              <a:t>Function 1 </a:t>
+            </a:r>
+            <a:r>
+              <a:rPr lang="en-CA" dirty="0" err="1">
                 <a:solidFill>
                   <a:schemeClr val="bg1">
                     <a:lumMod val="65000"/>
                   </a:schemeClr>
                 </a:solidFill>
               </a:rPr>
-              <a:t>Function 2 name: [1 sentence]</a:t>
-            </a:r>
-          </a:p>
-          <a:p>
+              <a:t>edit_rate</a:t>
+            </a:r>
             <a:r>
               <a:rPr lang="en-CA" dirty="0">
                 <a:solidFill>
@@ -3456,8 +3452,89 @@
                   </a:schemeClr>
                 </a:solidFill>
               </a:rPr>
-              <a:t>Function 3 name: [1 sentence]</a:t>
-            </a:r>
+              <a:t>: Change the interest rate of existing investment.</a:t>
+            </a:r>
+          </a:p>
+          <a:p>
+            <a:r>
+              <a:rPr lang="en-CA" dirty="0">
+                <a:solidFill>
+                  <a:schemeClr val="bg1">
+                    <a:lumMod val="65000"/>
+                  </a:schemeClr>
+                </a:solidFill>
+              </a:rPr>
+              <a:t>Function 2 </a:t>
+            </a:r>
+            <a:r>
+              <a:rPr lang="en-CA" dirty="0" err="1">
+                <a:solidFill>
+                  <a:schemeClr val="bg1">
+                    <a:lumMod val="65000"/>
+                  </a:schemeClr>
+                </a:solidFill>
+              </a:rPr>
+              <a:t>edit_min_amount</a:t>
+            </a:r>
+            <a:r>
+              <a:rPr lang="en-CA" dirty="0">
+                <a:solidFill>
+                  <a:schemeClr val="bg1">
+                    <a:lumMod val="65000"/>
+                  </a:schemeClr>
+                </a:solidFill>
+              </a:rPr>
+              <a:t>: Change the the minimum amount.</a:t>
+            </a:r>
+          </a:p>
+          <a:p>
+            <a:r>
+              <a:rPr lang="en-CA" dirty="0">
+                <a:solidFill>
+                  <a:schemeClr val="bg1">
+                    <a:lumMod val="65000"/>
+                  </a:schemeClr>
+                </a:solidFill>
+              </a:rPr>
+              <a:t>Function 3 </a:t>
+            </a:r>
+            <a:r>
+              <a:rPr lang="en-CA" dirty="0" err="1">
+                <a:solidFill>
+                  <a:schemeClr val="bg1">
+                    <a:lumMod val="65000"/>
+                  </a:schemeClr>
+                </a:solidFill>
+              </a:rPr>
+              <a:t>show_investment_information</a:t>
+            </a:r>
+            <a:r>
+              <a:rPr lang="en-CA" dirty="0">
+                <a:solidFill>
+                  <a:schemeClr val="bg1">
+                    <a:lumMod val="65000"/>
+                  </a:schemeClr>
+                </a:solidFill>
+              </a:rPr>
+              <a:t>: Show the whole </a:t>
+            </a:r>
+            <a:r>
+              <a:rPr lang="en-CA">
+                <a:solidFill>
+                  <a:schemeClr val="bg1">
+                    <a:lumMod val="65000"/>
+                  </a:schemeClr>
+                </a:solidFill>
+              </a:rPr>
+              <a:t>information of all investments.</a:t>
+            </a:r>
+            <a:endParaRPr lang="en-CA" dirty="0">
+              <a:solidFill>
+                <a:schemeClr val="bg1">
+                  <a:lumMod val="65000"/>
+                </a:schemeClr>
+              </a:solidFill>
+            </a:endParaRPr>
           </a:p>
           <a:p>
             <a:endParaRPr lang="en-CA" dirty="0"/>
@@ -3562,10 +3639,11 @@
           <a:p>
             <a:r>
               <a:rPr lang="en-CA" dirty="0"/>
-              <a:t>Brief information about your project with bullet points</a:t>
-            </a:r>
-          </a:p>
-          <a:p>
+              <a:t>Bank Management Software with Core Function</a:t>
+            </a:r>
+          </a:p>
+          <a:p>
+            <a:pPr lvl="1"/>
             <a:r>
               <a:rPr lang="en-CA" dirty="0">
                 <a:solidFill>
@@ -3574,18 +3652,24 @@
                   </a:schemeClr>
                 </a:solidFill>
               </a:rPr>
-              <a:t>E.g., </a:t>
-            </a:r>
-            <a:r>
-              <a:rPr lang="en-CA" dirty="0" err="1">
+              <a:t>Save/withdraw money</a:t>
+            </a:r>
+          </a:p>
+          <a:p>
+            <a:pPr lvl="1"/>
+            <a:r>
+              <a:rPr lang="en-CA" dirty="0">
                 <a:solidFill>
                   <a:schemeClr val="bg1">
                     <a:lumMod val="65000"/>
                   </a:schemeClr>
                 </a:solidFill>
               </a:rPr>
-              <a:t>MovieOrganizer</a:t>
-            </a:r>
+              <a:t>Transfer money</a:t>
+            </a:r>
+          </a:p>
+          <a:p>
+            <a:pPr lvl="1"/>
             <a:r>
               <a:rPr lang="en-CA" dirty="0">
                 <a:solidFill>
@@ -3594,7 +3678,7 @@
                   </a:schemeClr>
                 </a:solidFill>
               </a:rPr>
-              <a:t> app</a:t>
+              <a:t>Buy multiple investment</a:t>
             </a:r>
           </a:p>
           <a:p>
@@ -3607,46 +3691,7 @@
                   </a:schemeClr>
                 </a:solidFill>
               </a:rPr>
-              <a:t>Search a movie</a:t>
-            </a:r>
-          </a:p>
-          <a:p>
-            <a:pPr lvl="1"/>
-            <a:r>
-              <a:rPr lang="en-CA" dirty="0">
-                <a:solidFill>
-                  <a:schemeClr val="bg1">
-                    <a:lumMod val="65000"/>
-                  </a:schemeClr>
-                </a:solidFill>
-              </a:rPr>
-              <a:t>Review a movie </a:t>
-            </a:r>
-          </a:p>
-          <a:p>
-            <a:pPr lvl="1"/>
-            <a:r>
-              <a:rPr lang="en-CA" dirty="0">
-                <a:solidFill>
-                  <a:schemeClr val="bg1">
-                    <a:lumMod val="65000"/>
-                  </a:schemeClr>
-                </a:solidFill>
-              </a:rPr>
-              <a:t>Add to watchlist</a:t>
-            </a:r>
-          </a:p>
-          <a:p>
-            <a:pPr lvl="1"/>
-            <a:r>
-              <a:rPr lang="en-CA" dirty="0">
-                <a:solidFill>
-                  <a:schemeClr val="bg1">
-                    <a:lumMod val="65000"/>
-                  </a:schemeClr>
-                </a:solidFill>
-              </a:rPr>
-              <a:t>….</a:t>
+              <a:t>Manage investment</a:t>
             </a:r>
           </a:p>
           <a:p>
@@ -3707,7 +3752,7 @@
           <a:p>
             <a:r>
               <a:rPr lang="en-CA" dirty="0"/>
-              <a:t>Sub-Package 1 Module 1</a:t>
+              <a:t>Sub-Package 1 (USER) Module 1</a:t>
             </a:r>
           </a:p>
         </p:txBody>
@@ -3751,9 +3796,10 @@
           <a:lstStyle/>
           <a:p>
             <a:r>
-              <a:rPr lang="en-CA" dirty="0"/>
-              <a:t>Brief description of the module</a:t>
-            </a:r>
+              <a:rPr lang="en-CA" dirty="0" err="1"/>
+              <a:t>Client.py</a:t>
+            </a:r>
+            <a:endParaRPr lang="en-CA" dirty="0"/>
           </a:p>
           <a:p>
             <a:r>
@@ -3764,7 +3810,43 @@
                   </a:schemeClr>
                 </a:solidFill>
               </a:rPr>
-              <a:t>[2-3 bullet points]</a:t>
+              <a:t>Client opens an account</a:t>
+            </a:r>
+          </a:p>
+          <a:p>
+            <a:r>
+              <a:rPr lang="en-CA" dirty="0">
+                <a:solidFill>
+                  <a:schemeClr val="bg1">
+                    <a:lumMod val="65000"/>
+                  </a:schemeClr>
+                </a:solidFill>
+              </a:rPr>
+              <a:t>Save or withdraw money here</a:t>
+            </a:r>
+          </a:p>
+          <a:p>
+            <a:r>
+              <a:rPr lang="en-CA" dirty="0">
+                <a:solidFill>
+                  <a:schemeClr val="bg1">
+                    <a:lumMod val="65000"/>
+                  </a:schemeClr>
+                </a:solidFill>
+              </a:rPr>
+              <a:t>Transfer to another account</a:t>
+            </a:r>
+          </a:p>
+          <a:p>
+            <a:r>
+              <a:rPr lang="en-CA" dirty="0">
+                <a:solidFill>
+                  <a:schemeClr val="bg1">
+                    <a:lumMod val="65000"/>
+                  </a:schemeClr>
+                </a:solidFill>
+              </a:rPr>
+              <a:t>….All the personal operation</a:t>
             </a:r>
           </a:p>
         </p:txBody>
@@ -3873,22 +3955,18 @@
                   </a:schemeClr>
                 </a:solidFill>
               </a:rPr>
-              <a:t>Function 1 name: [1 sentence]</a:t>
-            </a:r>
-          </a:p>
-          <a:p>
-            <a:r>
-              <a:rPr lang="en-CA" dirty="0">
+              <a:t>Function 1 </a:t>
+            </a:r>
+            <a:r>
+              <a:rPr lang="en-CA" dirty="0" err="1">
                 <a:solidFill>
                   <a:schemeClr val="bg1">
                     <a:lumMod val="65000"/>
                   </a:schemeClr>
                 </a:solidFill>
               </a:rPr>
-              <a:t>Function 2 name: [1 sentence]</a:t>
-            </a:r>
-          </a:p>
-          <a:p>
+              <a:t>save_money</a:t>
+            </a:r>
             <a:r>
               <a:rPr lang="en-CA" dirty="0">
                 <a:solidFill>
@@ -3897,10 +3975,104 @@
                   </a:schemeClr>
                 </a:solidFill>
               </a:rPr>
-              <a:t>Function 3 name: [1 sentence]</a:t>
-            </a:r>
-          </a:p>
-          <a:p>
+              <a:t>: Add money to the existing account.</a:t>
+            </a:r>
+          </a:p>
+          <a:p>
+            <a:r>
+              <a:rPr lang="en-CA" dirty="0">
+                <a:solidFill>
+                  <a:schemeClr val="bg1">
+                    <a:lumMod val="65000"/>
+                  </a:schemeClr>
+                </a:solidFill>
+              </a:rPr>
+              <a:t>Function 2 </a:t>
+            </a:r>
+            <a:r>
+              <a:rPr lang="en-CA" dirty="0" err="1">
+                <a:solidFill>
+                  <a:schemeClr val="bg1">
+                    <a:lumMod val="65000"/>
+                  </a:schemeClr>
+                </a:solidFill>
+              </a:rPr>
+              <a:t>withdraw_money</a:t>
+            </a:r>
+            <a:r>
+              <a:rPr lang="en-CA" dirty="0">
+                <a:solidFill>
+                  <a:schemeClr val="bg1">
+                    <a:lumMod val="65000"/>
+                  </a:schemeClr>
+                </a:solidFill>
+              </a:rPr>
+              <a:t>: Remove given amount of money from an existing account.</a:t>
+            </a:r>
+          </a:p>
+          <a:p>
+            <a:r>
+              <a:rPr lang="en-CA" dirty="0">
+                <a:solidFill>
+                  <a:schemeClr val="bg1">
+                    <a:lumMod val="65000"/>
+                  </a:schemeClr>
+                </a:solidFill>
+              </a:rPr>
+              <a:t>Function 3 </a:t>
+            </a:r>
+            <a:r>
+              <a:rPr lang="en-CA" dirty="0" err="1">
+                <a:solidFill>
+                  <a:schemeClr val="bg1">
+                    <a:lumMod val="65000"/>
+                  </a:schemeClr>
+                </a:solidFill>
+              </a:rPr>
+              <a:t>transfer_money</a:t>
+            </a:r>
+            <a:r>
+              <a:rPr lang="en-CA" dirty="0">
+                <a:solidFill>
+                  <a:schemeClr val="bg1">
+                    <a:lumMod val="65000"/>
+                  </a:schemeClr>
+                </a:solidFill>
+              </a:rPr>
+              <a:t>: Transfer given amount of money from an existing account to another existing account.</a:t>
+            </a:r>
+          </a:p>
+          <a:p>
+            <a:r>
+              <a:rPr lang="en-CA" dirty="0">
+                <a:solidFill>
+                  <a:schemeClr val="bg1">
+                    <a:lumMod val="65000"/>
+                  </a:schemeClr>
+                </a:solidFill>
+              </a:rPr>
+              <a:t>Function 4 </a:t>
+            </a:r>
+            <a:r>
+              <a:rPr lang="en-CA" dirty="0" err="1">
+                <a:solidFill>
+                  <a:schemeClr val="bg1">
+                    <a:lumMod val="65000"/>
+                  </a:schemeClr>
+                </a:solidFill>
+              </a:rPr>
+              <a:t>show_details</a:t>
+            </a:r>
+            <a:r>
+              <a:rPr lang="en-CA" dirty="0">
+                <a:solidFill>
+                  <a:schemeClr val="bg1">
+                    <a:lumMod val="65000"/>
+                  </a:schemeClr>
+                </a:solidFill>
+              </a:rPr>
+              <a:t>: Return all information including balance, personal detail and investment.</a:t>
+            </a:r>
             <a:endParaRPr lang="en-CA" dirty="0"/>
           </a:p>
           <a:p>
@@ -3999,14 +4171,15 @@
           <a:lstStyle/>
           <a:p>
             <a:r>
+              <a:rPr lang="en-CA" dirty="0" err="1"/>
+              <a:t>Manager.py</a:t>
+            </a:r>
+            <a:endParaRPr lang="en-CA" dirty="0"/>
+          </a:p>
+          <a:p>
+            <a:r>
               <a:rPr lang="en-CA" dirty="0"/>
-              <a:t>Brief description of the module</a:t>
-            </a:r>
-          </a:p>
-          <a:p>
-            <a:r>
-              <a:rPr lang="en-CA" dirty="0"/>
-              <a:t>[2-3 bullet points]</a:t>
+              <a:t>Manager is responsible for a particular kind of investment.</a:t>
             </a:r>
           </a:p>
         </p:txBody>
@@ -4115,22 +4288,18 @@
                   </a:schemeClr>
                 </a:solidFill>
               </a:rPr>
-              <a:t>Function 1 name: [1 sentence]</a:t>
-            </a:r>
-          </a:p>
-          <a:p>
-            <a:r>
-              <a:rPr lang="en-CA" dirty="0">
+              <a:t>Function 1 </a:t>
+            </a:r>
+            <a:r>
+              <a:rPr lang="en-CA" dirty="0" err="1">
                 <a:solidFill>
                   <a:schemeClr val="bg1">
                     <a:lumMod val="65000"/>
                   </a:schemeClr>
                 </a:solidFill>
               </a:rPr>
-              <a:t>Function 2 name: [1 sentence]</a:t>
-            </a:r>
-          </a:p>
-          <a:p>
+              <a:t>check_clients</a:t>
+            </a:r>
             <a:r>
               <a:rPr lang="en-CA" dirty="0">
                 <a:solidFill>
@@ -4139,10 +4308,72 @@
                   </a:schemeClr>
                 </a:solidFill>
               </a:rPr>
-              <a:t>Function 3 name: [1 sentence]</a:t>
-            </a:r>
-          </a:p>
-          <a:p>
+              <a:t>: Show the Clients who have bought the investment. </a:t>
+            </a:r>
+          </a:p>
+          <a:p>
+            <a:r>
+              <a:rPr lang="en-CA" dirty="0">
+                <a:solidFill>
+                  <a:schemeClr val="bg1">
+                    <a:lumMod val="65000"/>
+                  </a:schemeClr>
+                </a:solidFill>
+              </a:rPr>
+              <a:t>Function 2 </a:t>
+            </a:r>
+            <a:r>
+              <a:rPr lang="en-CA" dirty="0" err="1">
+                <a:solidFill>
+                  <a:schemeClr val="bg1">
+                    <a:lumMod val="65000"/>
+                  </a:schemeClr>
+                </a:solidFill>
+              </a:rPr>
+              <a:t>show_details</a:t>
+            </a:r>
+            <a:r>
+              <a:rPr lang="en-CA" dirty="0">
+                <a:solidFill>
+                  <a:schemeClr val="bg1">
+                    <a:lumMod val="65000"/>
+                  </a:schemeClr>
+                </a:solidFill>
+              </a:rPr>
+              <a:t>: Show his/her personal information as well as the investment information managed by him/her.</a:t>
+            </a:r>
+          </a:p>
+          <a:p>
+            <a:r>
+              <a:rPr lang="en-CA" dirty="0">
+                <a:solidFill>
+                  <a:schemeClr val="bg1">
+                    <a:lumMod val="65000"/>
+                  </a:schemeClr>
+                </a:solidFill>
+              </a:rPr>
+              <a:t>Function 3 </a:t>
+            </a:r>
+            <a:r>
+              <a:rPr lang="en-CA" dirty="0" err="1">
+                <a:solidFill>
+                  <a:schemeClr val="bg1">
+                    <a:lumMod val="65000"/>
+                  </a:schemeClr>
+                </a:solidFill>
+              </a:rPr>
+              <a:t>edit_client_information</a:t>
+            </a:r>
+            <a:r>
+              <a:rPr lang="en-CA" dirty="0">
+                <a:solidFill>
+                  <a:schemeClr val="bg1">
+                    <a:lumMod val="65000"/>
+                  </a:schemeClr>
+                </a:solidFill>
+              </a:rPr>
+              <a:t>: Edit the client’s personal information who has bought his investment.</a:t>
+            </a:r>
             <a:endParaRPr lang="en-CA" dirty="0"/>
           </a:p>
           <a:p>
@@ -4197,7 +4428,7 @@
           <a:p>
             <a:r>
               <a:rPr lang="en-CA" dirty="0"/>
-              <a:t>Sub-Package 2 Module 1</a:t>
+              <a:t>Sub-Package 2 (INVESTMENT) Module 1</a:t>
             </a:r>
           </a:p>
         </p:txBody>
@@ -4241,14 +4472,21 @@
           <a:lstStyle/>
           <a:p>
             <a:r>
+              <a:rPr lang="en-CA" dirty="0" err="1"/>
+              <a:t>Investment.py</a:t>
+            </a:r>
+            <a:endParaRPr lang="en-CA" dirty="0"/>
+          </a:p>
+          <a:p>
+            <a:r>
               <a:rPr lang="en-CA" dirty="0"/>
-              <a:t>Brief description of the module</a:t>
+              <a:t>Create new kind of investment and bound with a manage.</a:t>
             </a:r>
           </a:p>
           <a:p>
             <a:r>
               <a:rPr lang="en-CA" dirty="0"/>
-              <a:t>[2-3 bullet points]</a:t>
+              <a:t>Show the information of the investment.</a:t>
             </a:r>
           </a:p>
         </p:txBody>
@@ -4357,22 +4595,18 @@
                   </a:schemeClr>
                 </a:solidFill>
               </a:rPr>
-              <a:t>Function 1 name: [1 sentence]</a:t>
-            </a:r>
-          </a:p>
-          <a:p>
-            <a:r>
-              <a:rPr lang="en-CA" dirty="0">
+              <a:t>Function 1 </a:t>
+            </a:r>
+            <a:r>
+              <a:rPr lang="en-CA" dirty="0" err="1">
                 <a:solidFill>
                   <a:schemeClr val="bg1">
                     <a:lumMod val="65000"/>
                   </a:schemeClr>
                 </a:solidFill>
               </a:rPr>
-              <a:t>Function 2 name: [1 sentence]</a:t>
-            </a:r>
-          </a:p>
-          <a:p>
+              <a:t>show_details</a:t>
+            </a:r>
             <a:r>
               <a:rPr lang="en-CA" dirty="0">
                 <a:solidFill>
@@ -4381,10 +4615,72 @@
                   </a:schemeClr>
                 </a:solidFill>
               </a:rPr>
-              <a:t>Function 3 name: [1 sentence]</a:t>
-            </a:r>
-          </a:p>
-          <a:p>
+              <a:t>: Show information including name, manager’s name and interest and minimum amount.</a:t>
+            </a:r>
+          </a:p>
+          <a:p>
+            <a:r>
+              <a:rPr lang="en-CA" dirty="0">
+                <a:solidFill>
+                  <a:schemeClr val="bg1">
+                    <a:lumMod val="65000"/>
+                  </a:schemeClr>
+                </a:solidFill>
+              </a:rPr>
+              <a:t>Function 2 </a:t>
+            </a:r>
+            <a:r>
+              <a:rPr lang="en-CA" dirty="0" err="1">
+                <a:solidFill>
+                  <a:schemeClr val="bg1">
+                    <a:lumMod val="65000"/>
+                  </a:schemeClr>
+                </a:solidFill>
+              </a:rPr>
+              <a:t>compare_details</a:t>
+            </a:r>
+            <a:r>
+              <a:rPr lang="en-CA" dirty="0">
+                <a:solidFill>
+                  <a:schemeClr val="bg1">
+                    <a:lumMod val="65000"/>
+                  </a:schemeClr>
+                </a:solidFill>
+              </a:rPr>
+              <a:t>: Compare with another kind of investment, and show the difference.</a:t>
+            </a:r>
+          </a:p>
+          <a:p>
+            <a:r>
+              <a:rPr lang="en-CA" dirty="0">
+                <a:solidFill>
+                  <a:schemeClr val="bg1">
+                    <a:lumMod val="65000"/>
+                  </a:schemeClr>
+                </a:solidFill>
+              </a:rPr>
+              <a:t>Function 3 </a:t>
+            </a:r>
+            <a:r>
+              <a:rPr lang="en-CA" dirty="0" err="1">
+                <a:solidFill>
+                  <a:schemeClr val="bg1">
+                    <a:lumMod val="65000"/>
+                  </a:schemeClr>
+                </a:solidFill>
+              </a:rPr>
+              <a:t>calculate_expected_interest</a:t>
+            </a:r>
+            <a:r>
+              <a:rPr lang="en-CA" dirty="0">
+                <a:solidFill>
+                  <a:schemeClr val="bg1">
+                    <a:lumMod val="65000"/>
+                  </a:schemeClr>
+                </a:solidFill>
+              </a:rPr>
+              <a:t>: Calculate the interest according to the given year and its interest rate.</a:t>
+            </a:r>
             <a:endParaRPr lang="en-CA" dirty="0"/>
           </a:p>
           <a:p>
@@ -4483,14 +4779,15 @@
           <a:lstStyle/>
           <a:p>
             <a:r>
+              <a:rPr lang="en-CA" dirty="0" err="1"/>
+              <a:t>Manage_investment.py</a:t>
+            </a:r>
+            <a:endParaRPr lang="en-CA" dirty="0"/>
+          </a:p>
+          <a:p>
+            <a:r>
               <a:rPr lang="en-CA" dirty="0"/>
-              <a:t>Brief description of the module</a:t>
-            </a:r>
-          </a:p>
-          <a:p>
-            <a:r>
-              <a:rPr lang="en-CA" dirty="0"/>
-              <a:t>[2-3 bullet points]</a:t>
+              <a:t>This module is used to operate the investments.</a:t>
             </a:r>
           </a:p>
           <a:p>

--- a/Presentation Template.pptx
+++ b/Presentation Template.pptx
@@ -764,7 +764,7 @@
           <a:p>
             <a:fld id="{0FA23B7F-B0A4-4548-866A-1C343862BBF1}" type="datetimeFigureOut">
               <a:rPr lang="en-US" smtClean="0"/>
-              <a:t>11/24/23</a:t>
+              <a:t>11/28/23</a:t>
             </a:fld>
             <a:endParaRPr lang="en-CA"/>
           </a:p>
@@ -930,7 +930,7 @@
           <a:p>
             <a:fld id="{7466FCE3-F006-44F4-AB45-D076B47EC6C4}" type="datetimeFigureOut">
               <a:rPr lang="en-US" smtClean="0"/>
-              <a:t>11/24/23</a:t>
+              <a:t>11/28/23</a:t>
             </a:fld>
             <a:endParaRPr lang="en-US"/>
           </a:p>
@@ -3297,10 +3297,9 @@
           </a:p>
           <a:p>
             <a:r>
-              <a:rPr lang="en-CA"/>
+              <a:rPr lang="en-CA" dirty="0"/>
               <a:t>Alan Zhang </a:t>
             </a:r>
-            <a:endParaRPr lang="en-CA" dirty="0"/>
           </a:p>
         </p:txBody>
       </p:sp>
@@ -3325,6 +3324,571 @@
               <a:t>1</a:t>
             </a:fld>
             <a:endParaRPr lang="en-US"/>
+          </a:p>
+        </p:txBody>
+      </p:sp>
+      <p:sp>
+        <p:nvSpPr>
+          <p:cNvPr id="2" name="Rectangle 1">
+            <a:extLst>
+              <a:ext uri="{FF2B5EF4-FFF2-40B4-BE49-F238E27FC236}">
+                <a16:creationId xmlns:a16="http://schemas.microsoft.com/office/drawing/2014/main" id="{80ECBB7A-3A84-4F47-AEF9-9ADC4FD0C4CB}"/>
+              </a:ext>
+            </a:extLst>
+          </p:cNvPr>
+          <p:cNvSpPr/>
+          <p:nvPr/>
+        </p:nvSpPr>
+        <p:spPr>
+          <a:xfrm>
+            <a:off x="7772400" y="1143000"/>
+            <a:ext cx="1752600" cy="762000"/>
+          </a:xfrm>
+          <a:prstGeom prst="rect">
+            <a:avLst/>
+          </a:prstGeom>
+          <a:solidFill>
+            <a:schemeClr val="bg1"/>
+          </a:solidFill>
+          <a:ln>
+            <a:solidFill>
+              <a:schemeClr val="tx1"/>
+            </a:solidFill>
+          </a:ln>
+          <a:effectLst/>
+        </p:spPr>
+        <p:style>
+          <a:lnRef idx="1">
+            <a:schemeClr val="accent1"/>
+          </a:lnRef>
+          <a:fillRef idx="3">
+            <a:schemeClr val="accent1"/>
+          </a:fillRef>
+          <a:effectRef idx="2">
+            <a:schemeClr val="accent1"/>
+          </a:effectRef>
+          <a:fontRef idx="minor">
+            <a:schemeClr val="lt1"/>
+          </a:fontRef>
+        </p:style>
+        <p:txBody>
+          <a:bodyPr rtlCol="0" anchor="ctr"/>
+          <a:lstStyle/>
+          <a:p>
+            <a:pPr algn="ctr"/>
+            <a:r>
+              <a:rPr lang="en-US" dirty="0">
+                <a:solidFill>
+                  <a:schemeClr val="tx1"/>
+                </a:solidFill>
+                <a:latin typeface="Open Sans"/>
+                <a:cs typeface="Open Sans"/>
+              </a:rPr>
+              <a:t>Package</a:t>
+            </a:r>
+          </a:p>
+        </p:txBody>
+      </p:sp>
+      <p:sp>
+        <p:nvSpPr>
+          <p:cNvPr id="3" name="Rectangle 2">
+            <a:extLst>
+              <a:ext uri="{FF2B5EF4-FFF2-40B4-BE49-F238E27FC236}">
+                <a16:creationId xmlns:a16="http://schemas.microsoft.com/office/drawing/2014/main" id="{B98AD32F-06FE-2040-8BFB-85D60390ED04}"/>
+              </a:ext>
+            </a:extLst>
+          </p:cNvPr>
+          <p:cNvSpPr/>
+          <p:nvPr/>
+        </p:nvSpPr>
+        <p:spPr>
+          <a:xfrm>
+            <a:off x="6324600" y="2514600"/>
+            <a:ext cx="1600200" cy="609600"/>
+          </a:xfrm>
+          <a:prstGeom prst="rect">
+            <a:avLst/>
+          </a:prstGeom>
+          <a:solidFill>
+            <a:schemeClr val="bg1"/>
+          </a:solidFill>
+          <a:ln>
+            <a:solidFill>
+              <a:schemeClr val="tx1"/>
+            </a:solidFill>
+          </a:ln>
+          <a:effectLst/>
+        </p:spPr>
+        <p:style>
+          <a:lnRef idx="1">
+            <a:schemeClr val="accent1"/>
+          </a:lnRef>
+          <a:fillRef idx="3">
+            <a:schemeClr val="accent1"/>
+          </a:fillRef>
+          <a:effectRef idx="2">
+            <a:schemeClr val="accent1"/>
+          </a:effectRef>
+          <a:fontRef idx="minor">
+            <a:schemeClr val="lt1"/>
+          </a:fontRef>
+        </p:style>
+        <p:txBody>
+          <a:bodyPr rtlCol="0" anchor="ctr"/>
+          <a:lstStyle/>
+          <a:p>
+            <a:pPr algn="ctr"/>
+            <a:r>
+              <a:rPr lang="en-US" dirty="0">
+                <a:solidFill>
+                  <a:schemeClr val="tx1"/>
+                </a:solidFill>
+                <a:latin typeface="Open Sans"/>
+                <a:cs typeface="Open Sans"/>
+              </a:rPr>
+              <a:t>User</a:t>
+            </a:r>
+          </a:p>
+        </p:txBody>
+      </p:sp>
+      <p:sp>
+        <p:nvSpPr>
+          <p:cNvPr id="7" name="Rectangle 6">
+            <a:extLst>
+              <a:ext uri="{FF2B5EF4-FFF2-40B4-BE49-F238E27FC236}">
+                <a16:creationId xmlns:a16="http://schemas.microsoft.com/office/drawing/2014/main" id="{858483BB-D9E8-4B4F-A83D-E16DE0CFE5F8}"/>
+              </a:ext>
+            </a:extLst>
+          </p:cNvPr>
+          <p:cNvSpPr/>
+          <p:nvPr/>
+        </p:nvSpPr>
+        <p:spPr>
+          <a:xfrm>
+            <a:off x="9372600" y="2514600"/>
+            <a:ext cx="1600200" cy="609600"/>
+          </a:xfrm>
+          <a:prstGeom prst="rect">
+            <a:avLst/>
+          </a:prstGeom>
+          <a:solidFill>
+            <a:schemeClr val="bg1"/>
+          </a:solidFill>
+          <a:ln>
+            <a:solidFill>
+              <a:schemeClr val="tx1"/>
+            </a:solidFill>
+          </a:ln>
+          <a:effectLst/>
+        </p:spPr>
+        <p:style>
+          <a:lnRef idx="1">
+            <a:schemeClr val="accent1"/>
+          </a:lnRef>
+          <a:fillRef idx="3">
+            <a:schemeClr val="accent1"/>
+          </a:fillRef>
+          <a:effectRef idx="2">
+            <a:schemeClr val="accent1"/>
+          </a:effectRef>
+          <a:fontRef idx="minor">
+            <a:schemeClr val="lt1"/>
+          </a:fontRef>
+        </p:style>
+        <p:txBody>
+          <a:bodyPr rtlCol="0" anchor="ctr"/>
+          <a:lstStyle/>
+          <a:p>
+            <a:pPr algn="ctr"/>
+            <a:r>
+              <a:rPr lang="en-US" dirty="0">
+                <a:solidFill>
+                  <a:schemeClr val="tx1"/>
+                </a:solidFill>
+                <a:latin typeface="Open Sans"/>
+                <a:cs typeface="Open Sans"/>
+              </a:rPr>
+              <a:t>Investment</a:t>
+            </a:r>
+          </a:p>
+        </p:txBody>
+      </p:sp>
+      <p:sp>
+        <p:nvSpPr>
+          <p:cNvPr id="5" name="Rectangle 4">
+            <a:extLst>
+              <a:ext uri="{FF2B5EF4-FFF2-40B4-BE49-F238E27FC236}">
+                <a16:creationId xmlns:a16="http://schemas.microsoft.com/office/drawing/2014/main" id="{A007A23A-028E-AC4E-A55E-D611CFD2B588}"/>
+              </a:ext>
+            </a:extLst>
+          </p:cNvPr>
+          <p:cNvSpPr/>
+          <p:nvPr/>
+        </p:nvSpPr>
+        <p:spPr>
+          <a:xfrm>
+            <a:off x="5626535" y="3962400"/>
+            <a:ext cx="1295400" cy="533400"/>
+          </a:xfrm>
+          <a:prstGeom prst="rect">
+            <a:avLst/>
+          </a:prstGeom>
+          <a:solidFill>
+            <a:schemeClr val="bg1"/>
+          </a:solidFill>
+          <a:ln>
+            <a:solidFill>
+              <a:schemeClr val="tx1"/>
+            </a:solidFill>
+          </a:ln>
+          <a:effectLst/>
+        </p:spPr>
+        <p:style>
+          <a:lnRef idx="1">
+            <a:schemeClr val="accent1"/>
+          </a:lnRef>
+          <a:fillRef idx="3">
+            <a:schemeClr val="accent1"/>
+          </a:fillRef>
+          <a:effectRef idx="2">
+            <a:schemeClr val="accent1"/>
+          </a:effectRef>
+          <a:fontRef idx="minor">
+            <a:schemeClr val="lt1"/>
+          </a:fontRef>
+        </p:style>
+        <p:txBody>
+          <a:bodyPr rtlCol="0" anchor="ctr"/>
+          <a:lstStyle/>
+          <a:p>
+            <a:pPr algn="ctr"/>
+            <a:r>
+              <a:rPr lang="en-US" dirty="0">
+                <a:solidFill>
+                  <a:schemeClr val="tx1"/>
+                </a:solidFill>
+                <a:latin typeface="Open Sans"/>
+                <a:cs typeface="Open Sans"/>
+              </a:rPr>
+              <a:t>Client</a:t>
+            </a:r>
+          </a:p>
+        </p:txBody>
+      </p:sp>
+      <p:sp>
+        <p:nvSpPr>
+          <p:cNvPr id="9" name="Rectangle 8">
+            <a:extLst>
+              <a:ext uri="{FF2B5EF4-FFF2-40B4-BE49-F238E27FC236}">
+                <a16:creationId xmlns:a16="http://schemas.microsoft.com/office/drawing/2014/main" id="{50191F6B-494D-2549-AAA4-F1EABCA4DACC}"/>
+              </a:ext>
+            </a:extLst>
+          </p:cNvPr>
+          <p:cNvSpPr/>
+          <p:nvPr/>
+        </p:nvSpPr>
+        <p:spPr>
+          <a:xfrm>
+            <a:off x="7277100" y="3962400"/>
+            <a:ext cx="1295400" cy="533400"/>
+          </a:xfrm>
+          <a:prstGeom prst="rect">
+            <a:avLst/>
+          </a:prstGeom>
+          <a:solidFill>
+            <a:schemeClr val="bg1"/>
+          </a:solidFill>
+          <a:ln>
+            <a:solidFill>
+              <a:schemeClr val="tx1"/>
+            </a:solidFill>
+          </a:ln>
+          <a:effectLst/>
+        </p:spPr>
+        <p:style>
+          <a:lnRef idx="1">
+            <a:schemeClr val="accent1"/>
+          </a:lnRef>
+          <a:fillRef idx="3">
+            <a:schemeClr val="accent1"/>
+          </a:fillRef>
+          <a:effectRef idx="2">
+            <a:schemeClr val="accent1"/>
+          </a:effectRef>
+          <a:fontRef idx="minor">
+            <a:schemeClr val="lt1"/>
+          </a:fontRef>
+        </p:style>
+        <p:txBody>
+          <a:bodyPr rtlCol="0" anchor="ctr"/>
+          <a:lstStyle/>
+          <a:p>
+            <a:pPr algn="ctr"/>
+            <a:r>
+              <a:rPr lang="en-US" dirty="0">
+                <a:solidFill>
+                  <a:schemeClr val="tx1"/>
+                </a:solidFill>
+                <a:latin typeface="Open Sans"/>
+                <a:cs typeface="Open Sans"/>
+              </a:rPr>
+              <a:t>Manager</a:t>
+            </a:r>
+          </a:p>
+        </p:txBody>
+      </p:sp>
+      <p:sp>
+        <p:nvSpPr>
+          <p:cNvPr id="10" name="Rectangle 9">
+            <a:extLst>
+              <a:ext uri="{FF2B5EF4-FFF2-40B4-BE49-F238E27FC236}">
+                <a16:creationId xmlns:a16="http://schemas.microsoft.com/office/drawing/2014/main" id="{41E97D8D-E12C-7E4B-93A4-299689EB0101}"/>
+              </a:ext>
+            </a:extLst>
+          </p:cNvPr>
+          <p:cNvSpPr/>
+          <p:nvPr/>
+        </p:nvSpPr>
+        <p:spPr>
+          <a:xfrm>
+            <a:off x="8707416" y="3968663"/>
+            <a:ext cx="1295400" cy="533400"/>
+          </a:xfrm>
+          <a:prstGeom prst="rect">
+            <a:avLst/>
+          </a:prstGeom>
+          <a:solidFill>
+            <a:schemeClr val="bg1"/>
+          </a:solidFill>
+          <a:ln>
+            <a:solidFill>
+              <a:schemeClr val="tx1"/>
+            </a:solidFill>
+          </a:ln>
+          <a:effectLst/>
+        </p:spPr>
+        <p:style>
+          <a:lnRef idx="1">
+            <a:schemeClr val="accent1"/>
+          </a:lnRef>
+          <a:fillRef idx="3">
+            <a:schemeClr val="accent1"/>
+          </a:fillRef>
+          <a:effectRef idx="2">
+            <a:schemeClr val="accent1"/>
+          </a:effectRef>
+          <a:fontRef idx="minor">
+            <a:schemeClr val="lt1"/>
+          </a:fontRef>
+        </p:style>
+        <p:txBody>
+          <a:bodyPr rtlCol="0" anchor="ctr"/>
+          <a:lstStyle/>
+          <a:p>
+            <a:pPr algn="ctr"/>
+            <a:r>
+              <a:rPr lang="en-US" dirty="0">
+                <a:solidFill>
+                  <a:schemeClr val="tx1"/>
+                </a:solidFill>
+                <a:latin typeface="Open Sans"/>
+                <a:cs typeface="Open Sans"/>
+              </a:rPr>
+              <a:t>Investment</a:t>
+            </a:r>
+          </a:p>
+        </p:txBody>
+      </p:sp>
+      <p:sp>
+        <p:nvSpPr>
+          <p:cNvPr id="11" name="Rectangle 10">
+            <a:extLst>
+              <a:ext uri="{FF2B5EF4-FFF2-40B4-BE49-F238E27FC236}">
+                <a16:creationId xmlns:a16="http://schemas.microsoft.com/office/drawing/2014/main" id="{A615B9C6-8868-DA4A-B373-5CEE19B53B52}"/>
+              </a:ext>
+            </a:extLst>
+          </p:cNvPr>
+          <p:cNvSpPr/>
+          <p:nvPr/>
+        </p:nvSpPr>
+        <p:spPr>
+          <a:xfrm>
+            <a:off x="10357981" y="3962400"/>
+            <a:ext cx="1295400" cy="533400"/>
+          </a:xfrm>
+          <a:prstGeom prst="rect">
+            <a:avLst/>
+          </a:prstGeom>
+          <a:solidFill>
+            <a:schemeClr val="bg1"/>
+          </a:solidFill>
+          <a:ln>
+            <a:solidFill>
+              <a:schemeClr val="tx1"/>
+            </a:solidFill>
+          </a:ln>
+          <a:effectLst/>
+        </p:spPr>
+        <p:style>
+          <a:lnRef idx="1">
+            <a:schemeClr val="accent1"/>
+          </a:lnRef>
+          <a:fillRef idx="3">
+            <a:schemeClr val="accent1"/>
+          </a:fillRef>
+          <a:effectRef idx="2">
+            <a:schemeClr val="accent1"/>
+          </a:effectRef>
+          <a:fontRef idx="minor">
+            <a:schemeClr val="lt1"/>
+          </a:fontRef>
+        </p:style>
+        <p:txBody>
+          <a:bodyPr rtlCol="0" anchor="ctr"/>
+          <a:lstStyle/>
+          <a:p>
+            <a:pPr algn="ctr"/>
+            <a:r>
+              <a:rPr lang="en-US" dirty="0" err="1">
+                <a:solidFill>
+                  <a:schemeClr val="tx1"/>
+                </a:solidFill>
+                <a:latin typeface="Open Sans"/>
+                <a:cs typeface="Open Sans"/>
+              </a:rPr>
+              <a:t>Man_invt</a:t>
+            </a:r>
+            <a:endParaRPr lang="en-US" dirty="0">
+              <a:solidFill>
+                <a:schemeClr val="tx1"/>
+              </a:solidFill>
+              <a:latin typeface="Open Sans"/>
+              <a:cs typeface="Open Sans"/>
+            </a:endParaRPr>
+          </a:p>
+        </p:txBody>
+      </p:sp>
+      <p:sp>
+        <p:nvSpPr>
+          <p:cNvPr id="6" name="Snip Single Corner Rectangle 5">
+            <a:extLst>
+              <a:ext uri="{FF2B5EF4-FFF2-40B4-BE49-F238E27FC236}">
+                <a16:creationId xmlns:a16="http://schemas.microsoft.com/office/drawing/2014/main" id="{66F7A30B-D1EC-224E-A341-04E00F04B94B}"/>
+              </a:ext>
+            </a:extLst>
+          </p:cNvPr>
+          <p:cNvSpPr/>
+          <p:nvPr/>
+        </p:nvSpPr>
+        <p:spPr>
+          <a:xfrm>
+            <a:off x="3429000" y="2514600"/>
+            <a:ext cx="1447800" cy="609600"/>
+          </a:xfrm>
+          <a:prstGeom prst="snip1Rect">
+            <a:avLst/>
+          </a:prstGeom>
+          <a:solidFill>
+            <a:schemeClr val="bg1"/>
+          </a:solidFill>
+          <a:ln>
+            <a:solidFill>
+              <a:schemeClr val="tx1"/>
+            </a:solidFill>
+          </a:ln>
+          <a:effectLst/>
+        </p:spPr>
+        <p:style>
+          <a:lnRef idx="1">
+            <a:schemeClr val="accent1"/>
+          </a:lnRef>
+          <a:fillRef idx="3">
+            <a:schemeClr val="accent1"/>
+          </a:fillRef>
+          <a:effectRef idx="2">
+            <a:schemeClr val="accent1"/>
+          </a:effectRef>
+          <a:fontRef idx="minor">
+            <a:schemeClr val="lt1"/>
+          </a:fontRef>
+        </p:style>
+        <p:txBody>
+          <a:bodyPr rtlCol="0" anchor="ctr"/>
+          <a:lstStyle/>
+          <a:p>
+            <a:pPr algn="ctr"/>
+            <a:r>
+              <a:rPr lang="en-US" dirty="0">
+                <a:solidFill>
+                  <a:schemeClr val="tx1"/>
+                </a:solidFill>
+                <a:latin typeface="Open Sans"/>
+                <a:cs typeface="Open Sans"/>
+              </a:rPr>
+              <a:t>Sub-packages</a:t>
+            </a:r>
+          </a:p>
+        </p:txBody>
+      </p:sp>
+      <p:sp>
+        <p:nvSpPr>
+          <p:cNvPr id="14" name="Snip Single Corner Rectangle 13">
+            <a:extLst>
+              <a:ext uri="{FF2B5EF4-FFF2-40B4-BE49-F238E27FC236}">
+                <a16:creationId xmlns:a16="http://schemas.microsoft.com/office/drawing/2014/main" id="{579D5FB0-11C9-5349-87B4-F6CDE107661F}"/>
+              </a:ext>
+            </a:extLst>
+          </p:cNvPr>
+          <p:cNvSpPr/>
+          <p:nvPr/>
+        </p:nvSpPr>
+        <p:spPr>
+          <a:xfrm>
+            <a:off x="3429000" y="3992062"/>
+            <a:ext cx="1447800" cy="609600"/>
+          </a:xfrm>
+          <a:prstGeom prst="snip1Rect">
+            <a:avLst/>
+          </a:prstGeom>
+          <a:solidFill>
+            <a:schemeClr val="bg1"/>
+          </a:solidFill>
+          <a:ln>
+            <a:solidFill>
+              <a:schemeClr val="tx1"/>
+            </a:solidFill>
+          </a:ln>
+          <a:effectLst/>
+        </p:spPr>
+        <p:style>
+          <a:lnRef idx="1">
+            <a:schemeClr val="accent1"/>
+          </a:lnRef>
+          <a:fillRef idx="3">
+            <a:schemeClr val="accent1"/>
+          </a:fillRef>
+          <a:effectRef idx="2">
+            <a:schemeClr val="accent1"/>
+          </a:effectRef>
+          <a:fontRef idx="minor">
+            <a:schemeClr val="lt1"/>
+          </a:fontRef>
+        </p:style>
+        <p:txBody>
+          <a:bodyPr rtlCol="0" anchor="ctr"/>
+          <a:lstStyle/>
+          <a:p>
+            <a:pPr algn="ctr"/>
+            <a:r>
+              <a:rPr lang="en-US" dirty="0">
+                <a:solidFill>
+                  <a:schemeClr val="tx1"/>
+                </a:solidFill>
+                <a:latin typeface="Open Sans"/>
+                <a:cs typeface="Open Sans"/>
+              </a:rPr>
+              <a:t>modules</a:t>
+            </a:r>
           </a:p>
         </p:txBody>
       </p:sp>
